--- a/Bai 3/Process.pptx
+++ b/Bai 3/Process.pptx
@@ -241,7 +241,7 @@
           <a:p>
             <a:fld id="{9DF6B2F8-E390-BD4F-9ACD-789C35D23CE3}" type="datetimeFigureOut">
               <a:rPr lang="en-US" smtClean="0"/>
-              <a:t>5/27/2019</a:t>
+              <a:t>3/1/2020</a:t>
             </a:fld>
             <a:endParaRPr lang="en-US"/>
           </a:p>
@@ -407,7 +407,7 @@
           <a:p>
             <a:fld id="{79FF8F81-D7B9-424E-B993-6D09B3871A4E}" type="datetimeFigureOut">
               <a:rPr lang="en-US" smtClean="0"/>
-              <a:t>5/27/2019</a:t>
+              <a:t>3/1/2020</a:t>
             </a:fld>
             <a:endParaRPr lang="en-US"/>
           </a:p>
@@ -1752,23 +1752,7 @@
             </a:pPr>
             <a:r>
               <a:rPr lang="vi-VN" dirty="0" smtClean="0"/>
-              <a:t>Chương </a:t>
-            </a:r>
-            <a:r>
-              <a:rPr lang="vi-VN" dirty="0" smtClean="0"/>
-              <a:t>trình </a:t>
-            </a:r>
-            <a:r>
-              <a:rPr lang="vi-VN" dirty="0" smtClean="0"/>
-              <a:t>thông </a:t>
-            </a:r>
-            <a:r>
-              <a:rPr lang="vi-VN" dirty="0" smtClean="0"/>
-              <a:t>dịch dễ lỗi hơn biên </a:t>
-            </a:r>
-            <a:r>
-              <a:rPr lang="vi-VN" dirty="0" smtClean="0"/>
-              <a:t>dịch</a:t>
+              <a:t>Chương trình thông dịch dễ lỗi hơn biên dịch</a:t>
             </a:r>
             <a:r>
               <a:rPr lang="en-US" dirty="0" smtClean="0"/>
@@ -1780,23 +1764,7 @@
             </a:r>
             <a:r>
               <a:rPr lang="vi-VN" dirty="0" smtClean="0"/>
-              <a:t>hương </a:t>
-            </a:r>
-            <a:r>
-              <a:rPr lang="vi-VN" dirty="0" smtClean="0"/>
-              <a:t>trình thông dịch có khả năng chịu lỗi </a:t>
-            </a:r>
-            <a:r>
-              <a:rPr lang="vi-VN" dirty="0" smtClean="0"/>
-              <a:t>tốt </a:t>
-            </a:r>
-            <a:r>
-              <a:rPr lang="vi-VN" dirty="0" smtClean="0"/>
-              <a:t>hơn biên </a:t>
-            </a:r>
-            <a:r>
-              <a:rPr lang="vi-VN" dirty="0" smtClean="0"/>
-              <a:t>dịch</a:t>
+              <a:t>hương trình thông dịch có khả năng chịu lỗi tốt hơn biên dịch</a:t>
             </a:r>
             <a:r>
               <a:rPr lang="en-US" dirty="0" smtClean="0"/>
@@ -2592,11 +2560,7 @@
             <a:pPr lvl="0"/>
             <a:r>
               <a:rPr lang="vi-VN" dirty="0" smtClean="0"/>
-              <a:t>Mỗi khi chương trình xin cấp phát bất cứ tài nguyên nào thì hệ điều hành đều lưu thông tin lại, thông tin đó được ghi trong struct process descriptor của từng chương trình. Do đó khi chương trình kết thúc, hệ điều hành có các thông tin về tài nguyên mà chương trình đã cấp phát, từ đó có thể giải phóng chúng</a:t>
-            </a:r>
-            <a:r>
-              <a:rPr lang="vi-VN" dirty="0" smtClean="0"/>
-              <a:t>.</a:t>
+              <a:t>Mỗi khi chương trình xin cấp phát bất cứ tài nguyên nào thì hệ điều hành đều lưu thông tin lại, thông tin đó được ghi trong struct process descriptor của từng chương trình. Do đó khi chương trình kết thúc, hệ điều hành có các thông tin về tài nguyên mà chương trình đã cấp phát, từ đó có thể giải phóng chúng.</a:t>
             </a:r>
             <a:endParaRPr lang="en-US" dirty="0" smtClean="0"/>
           </a:p>
@@ -4563,7 +4527,7 @@
           <a:p>
             <a:fld id="{7F3FBE28-58BC-4486-9A8E-6C1F0E326EAB}" type="datetime1">
               <a:rPr lang="en-US" smtClean="0"/>
-              <a:t>5/27/2019</a:t>
+              <a:t>3/1/2020</a:t>
             </a:fld>
             <a:endParaRPr lang="en-US"/>
           </a:p>
@@ -4749,7 +4713,7 @@
           <a:p>
             <a:fld id="{AE5B28C3-1882-4E84-9C82-23BA74B52008}" type="datetime1">
               <a:rPr lang="en-US" smtClean="0"/>
-              <a:t>5/27/2019</a:t>
+              <a:t>3/1/2020</a:t>
             </a:fld>
             <a:endParaRPr lang="en-US"/>
           </a:p>
@@ -4933,7 +4897,7 @@
           <a:p>
             <a:fld id="{945B1917-4DD8-41D3-93A0-974B9DFBBCBF}" type="datetime1">
               <a:rPr lang="en-US" smtClean="0"/>
-              <a:t>5/27/2019</a:t>
+              <a:t>3/1/2020</a:t>
             </a:fld>
             <a:endParaRPr lang="en-US"/>
           </a:p>
@@ -5152,7 +5116,7 @@
           <a:p>
             <a:fld id="{403BB6E5-7AA4-4C0D-BF97-BDC69083DBC9}" type="datetime1">
               <a:rPr lang="en-US" smtClean="0"/>
-              <a:t>5/27/2019</a:t>
+              <a:t>3/1/2020</a:t>
             </a:fld>
             <a:endParaRPr lang="en-US"/>
           </a:p>
@@ -5409,7 +5373,7 @@
           <a:p>
             <a:fld id="{5E5BBB4B-2F94-4F11-9AD4-28D0EBD25231}" type="datetime1">
               <a:rPr lang="en-US" smtClean="0"/>
-              <a:t>5/27/2019</a:t>
+              <a:t>3/1/2020</a:t>
             </a:fld>
             <a:endParaRPr lang="en-US"/>
           </a:p>
@@ -5708,7 +5672,7 @@
           <a:p>
             <a:fld id="{B79A5478-161F-4B28-93E5-DE9BF6B2D5E2}" type="datetime1">
               <a:rPr lang="en-US" smtClean="0"/>
-              <a:t>5/27/2019</a:t>
+              <a:t>3/1/2020</a:t>
             </a:fld>
             <a:endParaRPr lang="en-US"/>
           </a:p>
@@ -6146,7 +6110,7 @@
           <a:p>
             <a:fld id="{30E38055-F1C9-4AC4-B9E3-476EF82AD4CC}" type="datetime1">
               <a:rPr lang="en-US" smtClean="0"/>
-              <a:t>5/27/2019</a:t>
+              <a:t>3/1/2020</a:t>
             </a:fld>
             <a:endParaRPr lang="en-US"/>
           </a:p>
@@ -6275,7 +6239,7 @@
           <a:p>
             <a:fld id="{39D9E8B6-A1D4-4191-8D54-A8260B6A1972}" type="datetime1">
               <a:rPr lang="en-US" smtClean="0"/>
-              <a:t>5/27/2019</a:t>
+              <a:t>3/1/2020</a:t>
             </a:fld>
             <a:endParaRPr lang="en-US"/>
           </a:p>
@@ -6381,7 +6345,7 @@
           <a:p>
             <a:fld id="{924C1980-AF69-46D2-A9FE-14E6E6C939BE}" type="datetime1">
               <a:rPr lang="en-US" smtClean="0"/>
-              <a:t>5/27/2019</a:t>
+              <a:t>3/1/2020</a:t>
             </a:fld>
             <a:endParaRPr lang="en-US"/>
           </a:p>
@@ -6652,7 +6616,7 @@
           <a:p>
             <a:fld id="{AAA33C03-0194-466F-B287-AA772F5566B9}" type="datetime1">
               <a:rPr lang="en-US" smtClean="0"/>
-              <a:t>5/27/2019</a:t>
+              <a:t>3/1/2020</a:t>
             </a:fld>
             <a:endParaRPr lang="en-US"/>
           </a:p>
@@ -6918,7 +6882,7 @@
           <a:p>
             <a:fld id="{D31FF56F-D32E-44F3-A5D6-9F4533FAF9BD}" type="datetime1">
               <a:rPr lang="en-US" smtClean="0"/>
-              <a:t>5/27/2019</a:t>
+              <a:t>3/1/2020</a:t>
             </a:fld>
             <a:endParaRPr lang="en-US"/>
           </a:p>
@@ -7165,7 +7129,7 @@
           <a:p>
             <a:fld id="{0289C729-EC9D-4075-8A00-DCB3B3221814}" type="datetime1">
               <a:rPr lang="en-US" smtClean="0"/>
-              <a:t>5/27/2019</a:t>
+              <a:t>3/1/2020</a:t>
             </a:fld>
             <a:endParaRPr lang="en-US"/>
           </a:p>
@@ -7981,6 +7945,13 @@
   <p:clrMapOvr>
     <a:masterClrMapping/>
   </p:clrMapOvr>
+  <p:timing>
+    <p:tnLst>
+      <p:par>
+        <p:cTn id="1" dur="indefinite" restart="never" nodeType="tmRoot"/>
+      </p:par>
+    </p:tnLst>
+  </p:timing>
 </p:sld>
 </file>
 
@@ -8182,6 +8153,13 @@
   <p:clrMapOvr>
     <a:masterClrMapping/>
   </p:clrMapOvr>
+  <p:timing>
+    <p:tnLst>
+      <p:par>
+        <p:cTn id="1" dur="indefinite" restart="never" nodeType="tmRoot"/>
+      </p:par>
+    </p:tnLst>
+  </p:timing>
 </p:sld>
 </file>
 
@@ -8331,6 +8309,13 @@
   <p:clrMapOvr>
     <a:masterClrMapping/>
   </p:clrMapOvr>
+  <p:timing>
+    <p:tnLst>
+      <p:par>
+        <p:cTn id="1" dur="indefinite" restart="never" nodeType="tmRoot"/>
+      </p:par>
+    </p:tnLst>
+  </p:timing>
 </p:sld>
 </file>
 
@@ -8404,7 +8389,23 @@
           <a:p>
             <a:r>
               <a:rPr lang="vi-VN" dirty="0"/>
-              <a:t>Viết 1 chương trình C mở 1 file bất kỳ, nếu mở thành công thì retrun 0 cho chương trình cha, nếu lỗi thì return -1 cho chương trình cha. Dùng terminal để chạy và echo vào biến $ để đọc kết quả trả về</a:t>
+              <a:t>Viết 1 chương trình C mở 1 file bất kỳ, nếu mở thành công thì </a:t>
+            </a:r>
+            <a:r>
+              <a:rPr lang="vi-VN" dirty="0" smtClean="0"/>
+              <a:t>ret</a:t>
+            </a:r>
+            <a:r>
+              <a:rPr lang="en-US" dirty="0" err="1" smtClean="0"/>
+              <a:t>ur</a:t>
+            </a:r>
+            <a:r>
+              <a:rPr lang="vi-VN" dirty="0" smtClean="0"/>
+              <a:t>n </a:t>
+            </a:r>
+            <a:r>
+              <a:rPr lang="vi-VN" dirty="0"/>
+              <a:t>0 cho chương trình cha, nếu lỗi thì return -1 cho chương trình cha. Dùng terminal để chạy và echo vào biến $ để đọc kết quả trả về</a:t>
             </a:r>
             <a:endParaRPr lang="en-US" dirty="0"/>
           </a:p>
@@ -8466,6 +8467,13 @@
   <p:clrMapOvr>
     <a:masterClrMapping/>
   </p:clrMapOvr>
+  <p:timing>
+    <p:tnLst>
+      <p:par>
+        <p:cTn id="1" dur="indefinite" restart="never" nodeType="tmRoot"/>
+      </p:par>
+    </p:tnLst>
+  </p:timing>
 </p:sld>
 </file>
 
@@ -8601,6 +8609,13 @@
   <p:clrMapOvr>
     <a:masterClrMapping/>
   </p:clrMapOvr>
+  <p:timing>
+    <p:tnLst>
+      <p:par>
+        <p:cTn id="1" dur="indefinite" restart="never" nodeType="tmRoot"/>
+      </p:par>
+    </p:tnLst>
+  </p:timing>
 </p:sld>
 </file>
 
@@ -8738,6 +8753,13 @@
   <p:clrMapOvr>
     <a:masterClrMapping/>
   </p:clrMapOvr>
+  <p:timing>
+    <p:tnLst>
+      <p:par>
+        <p:cTn id="1" dur="indefinite" restart="never" nodeType="tmRoot"/>
+      </p:par>
+    </p:tnLst>
+  </p:timing>
 </p:sld>
 </file>
 
@@ -8904,6 +8926,13 @@
   <p:clrMapOvr>
     <a:masterClrMapping/>
   </p:clrMapOvr>
+  <p:timing>
+    <p:tnLst>
+      <p:par>
+        <p:cTn id="1" dur="indefinite" restart="never" nodeType="tmRoot"/>
+      </p:par>
+    </p:tnLst>
+  </p:timing>
 </p:sld>
 </file>
 
@@ -9440,7 +9469,6 @@
               <a:rPr lang="en-US" dirty="0"/>
               <a:t> kill không.</a:t>
             </a:r>
-            <a:endParaRPr lang="en-US" dirty="0"/>
           </a:p>
         </p:txBody>
       </p:sp>
@@ -9636,6 +9664,13 @@
   <p:clrMapOvr>
     <a:masterClrMapping/>
   </p:clrMapOvr>
+  <p:timing>
+    <p:tnLst>
+      <p:par>
+        <p:cTn id="1" dur="indefinite" restart="never" nodeType="tmRoot"/>
+      </p:par>
+    </p:tnLst>
+  </p:timing>
 </p:sld>
 </file>
 
@@ -10923,11 +10958,7 @@
           <a:p>
             <a:r>
               <a:rPr lang="en-US" dirty="0"/>
-              <a:t>Header của </a:t>
-            </a:r>
-            <a:r>
-              <a:rPr lang="en-US" dirty="0"/>
-              <a:t>file </a:t>
+              <a:t>Header của file </a:t>
             </a:r>
             <a:r>
               <a:rPr lang="en-US" dirty="0" err="1"/>
@@ -10941,7 +10972,6 @@
               <a:rPr lang="en-US" dirty="0" smtClean="0"/>
               <a:t>trình.</a:t>
             </a:r>
-            <a:endParaRPr lang="en-US" dirty="0" smtClean="0"/>
           </a:p>
           <a:p>
             <a:r>
@@ -11587,6 +11617,13 @@
   <p:clrMapOvr>
     <a:masterClrMapping/>
   </p:clrMapOvr>
+  <p:timing>
+    <p:tnLst>
+      <p:par>
+        <p:cTn id="1" dur="indefinite" restart="never" nodeType="tmRoot"/>
+      </p:par>
+    </p:tnLst>
+  </p:timing>
 </p:sld>
 </file>
 
@@ -12050,6 +12087,13 @@
   <p:clrMapOvr>
     <a:masterClrMapping/>
   </p:clrMapOvr>
+  <p:timing>
+    <p:tnLst>
+      <p:par>
+        <p:cTn id="1" dur="indefinite" restart="never" nodeType="tmRoot"/>
+      </p:par>
+    </p:tnLst>
+  </p:timing>
 </p:sld>
 </file>
 
@@ -12797,10 +12841,10 @@
           <a:lstStyle/>
           <a:p>
             <a:r>
-              <a:rPr lang="en-US" smtClean="0"/>
+              <a:rPr lang="en-US" dirty="0" smtClean="0"/>
               <a:t>©FPT SOFTWARE - Corporate Training Center - Internal Use</a:t>
             </a:r>
-            <a:endParaRPr lang="en-US"/>
+            <a:endParaRPr lang="en-US" dirty="0"/>
           </a:p>
         </p:txBody>
       </p:sp>
@@ -12859,6 +12903,13 @@
   <p:clrMapOvr>
     <a:masterClrMapping/>
   </p:clrMapOvr>
+  <p:timing>
+    <p:tnLst>
+      <p:par>
+        <p:cTn id="1" dur="indefinite" restart="never" nodeType="tmRoot"/>
+      </p:par>
+    </p:tnLst>
+  </p:timing>
 </p:sld>
 </file>
 
@@ -13021,6 +13072,13 @@
   <p:clrMapOvr>
     <a:masterClrMapping/>
   </p:clrMapOvr>
+  <p:timing>
+    <p:tnLst>
+      <p:par>
+        <p:cTn id="1" dur="indefinite" restart="never" nodeType="tmRoot"/>
+      </p:par>
+    </p:tnLst>
+  </p:timing>
 </p:sld>
 </file>
 
